--- a/Project_Documents/Proposal Document.pptx
+++ b/Project_Documents/Proposal Document.pptx
@@ -39591,7 +39591,7 @@
               <a:buNone/>
             </a:pPr>
             <a:r>
-              <a:rPr lang="en" sz="1900" dirty="0">
+              <a:rPr lang="en" sz="1600" dirty="0">
                 <a:solidFill>
                   <a:schemeClr val="bg2"/>
                 </a:solidFill>
@@ -39599,7 +39599,7 @@
               <a:t>Create a non-management user named </a:t>
             </a:r>
             <a:r>
-              <a:rPr lang="en" sz="1900" dirty="0">
+              <a:rPr lang="en" sz="1600" dirty="0">
                 <a:solidFill>
                   <a:schemeClr val="bg2"/>
                 </a:solidFill>
@@ -39608,10 +39608,10 @@
                 <a:cs typeface="Source Code Pro"/>
                 <a:sym typeface="Source Code Pro"/>
               </a:rPr>
-              <a:t>NoMgr</a:t>
+              <a:t>NonMgr</a:t>
             </a:r>
             <a:r>
-              <a:rPr lang="en" sz="1900" dirty="0">
+              <a:rPr lang="en" sz="1600" dirty="0">
                 <a:solidFill>
                   <a:schemeClr val="bg2"/>
                 </a:solidFill>
@@ -39623,7 +39623,7 @@
               <a:t>.</a:t>
             </a:r>
             <a:r>
-              <a:rPr lang="en" sz="1900" dirty="0">
+              <a:rPr lang="en" sz="1600" dirty="0">
                 <a:solidFill>
                   <a:schemeClr val="bg2"/>
                 </a:solidFill>
@@ -39649,22 +39649,6 @@
               </a:rPr>
               <a:t>Script:</a:t>
             </a:r>
-          </a:p>
-          <a:p>
-            <a:pPr marL="0" lvl="0" indent="0" algn="l" rtl="0">
-              <a:spcBef>
-                <a:spcPts val="1600"/>
-              </a:spcBef>
-              <a:spcAft>
-                <a:spcPts val="0"/>
-              </a:spcAft>
-              <a:buNone/>
-            </a:pPr>
-            <a:endParaRPr lang="en" sz="1900" dirty="0">
-              <a:solidFill>
-                <a:schemeClr val="bg2"/>
-              </a:solidFill>
-            </a:endParaRPr>
           </a:p>
           <a:p>
             <a:pPr marL="0" lvl="0" indent="0" algn="l" rtl="0">
@@ -39699,14 +39683,14 @@
           <p:nvPr>
             <p:extLst>
               <p:ext uri="{D42A27DB-BD31-4B8C-83A1-F6EECF244321}">
-                <p14:modId xmlns:p14="http://schemas.microsoft.com/office/powerpoint/2010/main" val="382254592"/>
+                <p14:modId xmlns:p14="http://schemas.microsoft.com/office/powerpoint/2010/main" val="3919355704"/>
               </p:ext>
             </p:extLst>
           </p:nvPr>
         </p:nvGraphicFramePr>
         <p:xfrm>
-          <a:off x="552450" y="5029200"/>
-          <a:ext cx="5867400" cy="2152650"/>
+          <a:off x="552450" y="4541520"/>
+          <a:ext cx="5867400" cy="2225040"/>
         </p:xfrm>
         <a:graphic>
           <a:graphicData uri="http://schemas.openxmlformats.org/drawingml/2006/table">
@@ -39735,7 +39719,7 @@
                       </a:r>
                       <a:r>
                         <a:rPr lang="en-US" dirty="0" err="1"/>
-                        <a:t>NoMgr</a:t>
+                        <a:t>NonMgr</a:t>
                       </a:r>
                       <a:r>
                         <a:rPr lang="en-US" dirty="0"/>
@@ -39760,7 +39744,7 @@
                       </a:r>
                       <a:r>
                         <a:rPr lang="en-US" dirty="0" err="1"/>
-                        <a:t>NoMgr</a:t>
+                        <a:t>NonMgr</a:t>
                       </a:r>
                       <a:r>
                         <a:rPr lang="en-US" dirty="0"/>
@@ -39785,7 +39769,7 @@
                       </a:r>
                       <a:r>
                         <a:rPr lang="en-US" dirty="0" err="1"/>
-                        <a:t>NoMgr</a:t>
+                        <a:t>NonMgr</a:t>
                       </a:r>
                       <a:r>
                         <a:rPr lang="en-US" dirty="0"/>
@@ -39810,7 +39794,7 @@
                       </a:r>
                       <a:r>
                         <a:rPr lang="en-US" dirty="0" err="1"/>
-                        <a:t>NoMgr</a:t>
+                        <a:t>NonMgr</a:t>
                       </a:r>
                       <a:r>
                         <a:rPr lang="en-US" dirty="0"/>
@@ -39835,7 +39819,7 @@
                       </a:r>
                       <a:r>
                         <a:rPr lang="en-US" dirty="0" err="1"/>
-                        <a:t>NoMgr</a:t>
+                        <a:t>NonMgr</a:t>
                       </a:r>
                       <a:r>
                         <a:rPr lang="en-US" dirty="0"/>
@@ -39894,10 +39878,10 @@
       </p:graphicFrame>
       <p:pic>
         <p:nvPicPr>
-          <p:cNvPr id="4" name="Picture 3">
+          <p:cNvPr id="5" name="Picture 4">
             <a:extLst>
               <a:ext uri="{FF2B5EF4-FFF2-40B4-BE49-F238E27FC236}">
-                <a16:creationId xmlns:a16="http://schemas.microsoft.com/office/drawing/2014/main" id="{F5F0CC60-3F2A-CFA6-8262-FD10599C9EB3}"/>
+                <a16:creationId xmlns:a16="http://schemas.microsoft.com/office/drawing/2014/main" id="{A8DD87C7-AA09-2BD0-5FE5-F4C58E84EE3C}"/>
               </a:ext>
             </a:extLst>
           </p:cNvPr>
@@ -39914,8 +39898,8 @@
         </p:blipFill>
         <p:spPr>
           <a:xfrm>
-            <a:off x="552449" y="7583746"/>
-            <a:ext cx="6130749" cy="2152650"/>
+            <a:off x="552450" y="7068175"/>
+            <a:ext cx="6518910" cy="2648895"/>
           </a:xfrm>
           <a:prstGeom prst="rect">
             <a:avLst/>

--- a/Project_Documents/Proposal Document.pptx
+++ b/Project_Documents/Proposal Document.pptx
@@ -29229,19 +29229,15 @@
             <p:ph type="body" idx="1"/>
           </p:nvPr>
         </p:nvSpPr>
-        <p:spPr/>
+        <p:spPr>
+          <a:xfrm>
+            <a:off x="142240" y="751840"/>
+            <a:ext cx="7416800" cy="8493760"/>
+          </a:xfrm>
+        </p:spPr>
         <p:txBody>
           <a:bodyPr/>
           <a:lstStyle/>
-          <a:p>
-            <a:pPr lvl="0" indent="0">
-              <a:spcBef>
-                <a:spcPts val="1600"/>
-              </a:spcBef>
-              <a:buNone/>
-            </a:pPr>
-            <a:endParaRPr lang="en-US" sz="2000" dirty="0"/>
-          </a:p>
           <a:p>
             <a:pPr lvl="0" indent="-349250">
               <a:spcBef>
@@ -29278,22 +29274,57 @@
                 <a:cs typeface="Open Sans"/>
                 <a:sym typeface="Open Sans"/>
               </a:rPr>
-              <a:t>Storage (disk or in-memory): </a:t>
+              <a:t>Storage (disk or in-memory):</a:t>
             </a:r>
             <a:r>
-              <a:rPr lang="en-US" sz="2000" dirty="0"/>
-              <a:t>check </a:t>
+              <a:rPr lang="en-US" sz="2000" dirty="0">
+                <a:latin typeface="Open Sans"/>
+                <a:ea typeface="Open Sans"/>
+                <a:cs typeface="Open Sans"/>
+                <a:sym typeface="Open Sans"/>
+              </a:rPr>
+              <a:t>  </a:t>
             </a:r>
+          </a:p>
+          <a:p>
+            <a:pPr lvl="0" indent="0">
+              <a:lnSpc>
+                <a:spcPct val="100000"/>
+              </a:lnSpc>
+              <a:spcBef>
+                <a:spcPts val="1600"/>
+              </a:spcBef>
+              <a:buNone/>
+            </a:pPr>
             <a:r>
-              <a:rPr lang="en-US" sz="2000" u="sng" dirty="0">
-                <a:solidFill>
-                  <a:schemeClr val="hlink"/>
-                </a:solidFill>
-                <a:hlinkClick r:id="rId2"/>
+              <a:rPr lang="en-US" sz="2000" dirty="0">
+                <a:latin typeface="Open Sans Light" panose="020B0306030504020204" pitchFamily="34" charset="0"/>
+                <a:ea typeface="Open Sans Light" panose="020B0306030504020204" pitchFamily="34" charset="0"/>
+                <a:cs typeface="Open Sans Light" panose="020B0306030504020204" pitchFamily="34" charset="0"/>
+                <a:sym typeface="Open Sans"/>
               </a:rPr>
-              <a:t>IT best practices document</a:t>
+              <a:t>	Databases are stored on spinning disk by default. In-memory storage is available, but only for data that requires higher level computations (advanced analytics, machine learning applications). </a:t>
             </a:r>
-            <a:endParaRPr lang="en-US" sz="2000" dirty="0"/>
+          </a:p>
+          <a:p>
+            <a:pPr lvl="0" indent="0">
+              <a:lnSpc>
+                <a:spcPct val="100000"/>
+              </a:lnSpc>
+              <a:spcBef>
+                <a:spcPts val="1600"/>
+              </a:spcBef>
+              <a:buNone/>
+            </a:pPr>
+            <a:r>
+              <a:rPr lang="en-US" sz="2000" dirty="0">
+                <a:latin typeface="Open Sans Light" panose="020B0306030504020204" pitchFamily="34" charset="0"/>
+                <a:ea typeface="Open Sans Light" panose="020B0306030504020204" pitchFamily="34" charset="0"/>
+                <a:cs typeface="Open Sans Light" panose="020B0306030504020204" pitchFamily="34" charset="0"/>
+                <a:sym typeface="Open Sans"/>
+              </a:rPr>
+              <a:t>	All databases are given a standard partition of 1 GB by the server group.</a:t>
+            </a:r>
           </a:p>
           <a:p>
             <a:pPr lvl="0" indent="0">
@@ -29335,24 +29366,6 @@
             <a:endParaRPr lang="en-US" sz="2000" dirty="0"/>
           </a:p>
           <a:p>
-            <a:pPr lvl="0" indent="0">
-              <a:lnSpc>
-                <a:spcPct val="100000"/>
-              </a:lnSpc>
-              <a:buNone/>
-            </a:pPr>
-            <a:endParaRPr lang="en-US" sz="2000" dirty="0"/>
-          </a:p>
-          <a:p>
-            <a:pPr lvl="0" indent="0">
-              <a:lnSpc>
-                <a:spcPct val="100000"/>
-              </a:lnSpc>
-              <a:buNone/>
-            </a:pPr>
-            <a:endParaRPr lang="en-US" sz="2000" dirty="0"/>
-          </a:p>
-          <a:p>
             <a:pPr lvl="0" indent="-349250">
               <a:buSzPts val="1900"/>
               <a:buFont typeface="Open Sans"/>
@@ -29377,33 +29390,76 @@
             </a:pPr>
             <a:r>
               <a:rPr lang="en-US" sz="2000" dirty="0"/>
-              <a:t> </a:t>
+              <a:t>All database backup schedules should be set based on priority (Standard, Archived, Critical):</a:t>
+            </a:r>
+          </a:p>
+          <a:p>
+            <a:pPr lvl="0" indent="0">
+              <a:spcBef>
+                <a:spcPts val="1600"/>
+              </a:spcBef>
+              <a:buNone/>
+            </a:pPr>
+            <a:r>
+              <a:rPr lang="en-US" sz="2000" dirty="0"/>
+              <a:t>● Standard: Backup schedule is a full backup 1x per week.</a:t>
+            </a:r>
+          </a:p>
+          <a:p>
+            <a:pPr lvl="0" indent="0">
+              <a:spcBef>
+                <a:spcPts val="1600"/>
+              </a:spcBef>
+              <a:buNone/>
+            </a:pPr>
+            <a:r>
+              <a:rPr lang="en-US" sz="2000" dirty="0"/>
+              <a:t>● Archive: Backup schedule is a full backup 1x per month. </a:t>
+            </a:r>
+          </a:p>
+          <a:p>
+            <a:pPr lvl="0" indent="0">
+              <a:spcBef>
+                <a:spcPts val="1600"/>
+              </a:spcBef>
+              <a:buNone/>
+            </a:pPr>
+            <a:r>
+              <a:rPr lang="en-US" sz="2000" dirty="0"/>
+              <a:t>● Critical: Backup schedule is full backup 1x per week, incremental backup daily. </a:t>
+            </a:r>
+          </a:p>
+          <a:p>
+            <a:pPr marL="38100" indent="0">
+              <a:buNone/>
+            </a:pPr>
+            <a:endParaRPr lang="en-US" sz="2000" dirty="0"/>
+          </a:p>
+          <a:p>
+            <a:pPr marL="38100" indent="0" algn="r">
+              <a:buNone/>
+            </a:pPr>
+            <a:r>
+              <a:rPr lang="en-US" sz="2000" dirty="0"/>
+              <a:t>(</a:t>
             </a:r>
             <a:r>
-              <a:rPr lang="en-US" sz="2000" u="sng" dirty="0">
+              <a:rPr lang="en-US" sz="1800" dirty="0"/>
+              <a:t>Note: Based on </a:t>
+            </a:r>
+            <a:r>
+              <a:rPr lang="en-US" sz="1800" u="sng" dirty="0">
                 <a:solidFill>
                   <a:schemeClr val="hlink"/>
                 </a:solidFill>
                 <a:hlinkClick r:id="rId2"/>
               </a:rPr>
-              <a:t>IT Best Practices document</a:t>
+              <a:t>IT best practices document</a:t>
             </a:r>
             <a:r>
               <a:rPr lang="en-US" sz="2000" dirty="0"/>
-              <a:t> lists Backup schedule requirements</a:t>
+              <a:t>)</a:t>
             </a:r>
-          </a:p>
-          <a:p>
-            <a:pPr lvl="0" indent="0">
-              <a:lnSpc>
-                <a:spcPct val="100000"/>
-              </a:lnSpc>
-              <a:spcBef>
-                <a:spcPts val="1600"/>
-              </a:spcBef>
-              <a:buNone/>
-            </a:pPr>
-            <a:endParaRPr lang="en-US" sz="2000" dirty="0"/>
           </a:p>
           <a:p>
             <a:endParaRPr lang="en-US" sz="2000" dirty="0"/>
@@ -38180,7 +38236,7 @@
                 <a:cs typeface="Open Sans"/>
                 <a:sym typeface="Open Sans"/>
               </a:rPr>
-              <a:t>Then Revoke read access to Salary table to Employees.</a:t>
+              <a:t>Then Revoke read access to restricted data(Salary table) to Employees. Salary information is stored in a separate table to apply table level restrictions.</a:t>
             </a:r>
           </a:p>
           <a:p>
@@ -38285,13 +38341,13 @@
           <p:nvPr>
             <p:extLst>
               <p:ext uri="{D42A27DB-BD31-4B8C-83A1-F6EECF244321}">
-                <p14:modId xmlns:p14="http://schemas.microsoft.com/office/powerpoint/2010/main" val="4245579000"/>
+                <p14:modId xmlns:p14="http://schemas.microsoft.com/office/powerpoint/2010/main" val="2480879507"/>
               </p:ext>
             </p:extLst>
           </p:nvPr>
         </p:nvGraphicFramePr>
         <p:xfrm>
-          <a:off x="704850" y="6838949"/>
+          <a:off x="904875" y="7168828"/>
           <a:ext cx="5962650" cy="2019301"/>
         </p:xfrm>
         <a:graphic>
